--- a/Андроид Тагильцев.pptx
+++ b/Андроид Тагильцев.pptx
@@ -7529,7 +7529,7 @@
         </p:spPr>
         <p:txBody>
           <a:bodyPr anchorCtr="0" anchor="t" bIns="91425" lIns="91425" spcFirstLastPara="1" rIns="91425" wrap="square" tIns="91425">
-            <a:normAutofit lnSpcReduction="20000"/>
+            <a:normAutofit/>
           </a:bodyPr>
           <a:lstStyle/>
           <a:p>
@@ -7573,7 +7573,7 @@
                 <a:spcPct val="115000"/>
               </a:lnSpc>
               <a:spcBef>
-                <a:spcPts val="1200"/>
+                <a:spcPts val="0"/>
               </a:spcBef>
               <a:spcAft>
                 <a:spcPts val="0"/>
@@ -7581,86 +7581,7 @@
               <a:buNone/>
             </a:pPr>
             <a:r>
-              <a:rPr lang="ru" sz="1800">
-                <a:solidFill>
-                  <a:srgbClr val="000000"/>
-                </a:solidFill>
-                <a:latin typeface="Lato"/>
-                <a:ea typeface="Lato"/>
-                <a:cs typeface="Lato"/>
-                <a:sym typeface="Lato"/>
-              </a:rPr>
-              <a:t>Onboarding экраны</a:t>
-            </a:r>
-            <a:endParaRPr sz="1800">
-              <a:solidFill>
-                <a:srgbClr val="000000"/>
-              </a:solidFill>
-              <a:latin typeface="Lato"/>
-              <a:ea typeface="Lato"/>
-              <a:cs typeface="Lato"/>
-              <a:sym typeface="Lato"/>
-            </a:endParaRPr>
-          </a:p>
-          <a:p>
-            <a:pPr indent="-228600" lvl="0" marL="457200" rtl="0" algn="l">
-              <a:lnSpc>
-                <a:spcPct val="115000"/>
-              </a:lnSpc>
-              <a:spcBef>
-                <a:spcPts val="0"/>
-              </a:spcBef>
-              <a:spcAft>
-                <a:spcPts val="0"/>
-              </a:spcAft>
-              <a:buNone/>
-            </a:pPr>
-            <a:r>
-              <a:rPr lang="ru" sz="1800">
-                <a:solidFill>
-                  <a:srgbClr val="000000"/>
-                </a:solidFill>
-                <a:latin typeface="Lato"/>
-                <a:ea typeface="Lato"/>
-                <a:cs typeface="Lato"/>
-                <a:sym typeface="Lato"/>
-              </a:rPr>
-              <a:t>Экран выбора языка</a:t>
-            </a:r>
-            <a:endParaRPr sz="1800">
-              <a:solidFill>
-                <a:srgbClr val="000000"/>
-              </a:solidFill>
-              <a:latin typeface="Lato"/>
-              <a:ea typeface="Lato"/>
-              <a:cs typeface="Lato"/>
-              <a:sym typeface="Lato"/>
-            </a:endParaRPr>
-          </a:p>
-          <a:p>
-            <a:pPr indent="-228600" lvl="0" marL="457200" rtl="0" algn="l">
-              <a:lnSpc>
-                <a:spcPct val="115000"/>
-              </a:lnSpc>
-              <a:spcBef>
-                <a:spcPts val="0"/>
-              </a:spcBef>
-              <a:spcAft>
-                <a:spcPts val="0"/>
-              </a:spcAft>
-              <a:buNone/>
-            </a:pPr>
-            <a:r>
-              <a:rPr lang="ru" sz="1800">
-                <a:solidFill>
-                  <a:srgbClr val="000000"/>
-                </a:solidFill>
-                <a:latin typeface="Lato"/>
-                <a:ea typeface="Lato"/>
-                <a:cs typeface="Lato"/>
-                <a:sym typeface="Lato"/>
-              </a:rPr>
-              <a:t>Авторизация</a:t>
+              <a:t/>
             </a:r>
             <a:endParaRPr sz="1800">
               <a:solidFill>
